--- a/Presentación - Tolerancia a Fallas.pptx
+++ b/Presentación - Tolerancia a Fallas.pptx
@@ -309,7 +309,7 @@
           <a:p>
             <a:fld id="{5BCAD085-E8A6-8845-BD4E-CB4CCA059FC4}" type="datetimeFigureOut">
               <a:rPr lang="en-US" smtClean="0"/>
-              <a:t>11/19/2025</a:t>
+              <a:t>12/4/2025</a:t>
             </a:fld>
             <a:endParaRPr lang="en-US"/>
           </a:p>
@@ -477,7 +477,7 @@
           <a:p>
             <a:fld id="{5BCAD085-E8A6-8845-BD4E-CB4CCA059FC4}" type="datetimeFigureOut">
               <a:rPr lang="en-US" smtClean="0"/>
-              <a:t>11/19/2025</a:t>
+              <a:t>12/4/2025</a:t>
             </a:fld>
             <a:endParaRPr lang="en-US"/>
           </a:p>
@@ -655,7 +655,7 @@
           <a:p>
             <a:fld id="{5BCAD085-E8A6-8845-BD4E-CB4CCA059FC4}" type="datetimeFigureOut">
               <a:rPr lang="en-US" smtClean="0"/>
-              <a:t>11/19/2025</a:t>
+              <a:t>12/4/2025</a:t>
             </a:fld>
             <a:endParaRPr lang="en-US"/>
           </a:p>
@@ -823,7 +823,7 @@
           <a:p>
             <a:fld id="{5BCAD085-E8A6-8845-BD4E-CB4CCA059FC4}" type="datetimeFigureOut">
               <a:rPr lang="en-US" smtClean="0"/>
-              <a:t>11/19/2025</a:t>
+              <a:t>12/4/2025</a:t>
             </a:fld>
             <a:endParaRPr lang="en-US"/>
           </a:p>
@@ -1068,7 +1068,7 @@
           <a:p>
             <a:fld id="{5BCAD085-E8A6-8845-BD4E-CB4CCA059FC4}" type="datetimeFigureOut">
               <a:rPr lang="en-US" smtClean="0"/>
-              <a:t>11/19/2025</a:t>
+              <a:t>12/4/2025</a:t>
             </a:fld>
             <a:endParaRPr lang="en-US"/>
           </a:p>
@@ -1353,7 +1353,7 @@
           <a:p>
             <a:fld id="{5BCAD085-E8A6-8845-BD4E-CB4CCA059FC4}" type="datetimeFigureOut">
               <a:rPr lang="en-US" smtClean="0"/>
-              <a:t>11/19/2025</a:t>
+              <a:t>12/4/2025</a:t>
             </a:fld>
             <a:endParaRPr lang="en-US"/>
           </a:p>
@@ -1772,7 +1772,7 @@
           <a:p>
             <a:fld id="{5BCAD085-E8A6-8845-BD4E-CB4CCA059FC4}" type="datetimeFigureOut">
               <a:rPr lang="en-US" smtClean="0"/>
-              <a:t>11/19/2025</a:t>
+              <a:t>12/4/2025</a:t>
             </a:fld>
             <a:endParaRPr lang="en-US"/>
           </a:p>
@@ -1889,7 +1889,7 @@
           <a:p>
             <a:fld id="{5BCAD085-E8A6-8845-BD4E-CB4CCA059FC4}" type="datetimeFigureOut">
               <a:rPr lang="en-US" smtClean="0"/>
-              <a:t>11/19/2025</a:t>
+              <a:t>12/4/2025</a:t>
             </a:fld>
             <a:endParaRPr lang="en-US"/>
           </a:p>
@@ -1984,7 +1984,7 @@
           <a:p>
             <a:fld id="{5BCAD085-E8A6-8845-BD4E-CB4CCA059FC4}" type="datetimeFigureOut">
               <a:rPr lang="en-US" smtClean="0"/>
-              <a:t>11/19/2025</a:t>
+              <a:t>12/4/2025</a:t>
             </a:fld>
             <a:endParaRPr lang="en-US"/>
           </a:p>
@@ -2259,7 +2259,7 @@
           <a:p>
             <a:fld id="{5BCAD085-E8A6-8845-BD4E-CB4CCA059FC4}" type="datetimeFigureOut">
               <a:rPr lang="en-US" smtClean="0"/>
-              <a:t>11/19/2025</a:t>
+              <a:t>12/4/2025</a:t>
             </a:fld>
             <a:endParaRPr lang="en-US"/>
           </a:p>
@@ -2511,7 +2511,7 @@
           <a:p>
             <a:fld id="{5BCAD085-E8A6-8845-BD4E-CB4CCA059FC4}" type="datetimeFigureOut">
               <a:rPr lang="en-US" smtClean="0"/>
-              <a:t>11/19/2025</a:t>
+              <a:t>12/4/2025</a:t>
             </a:fld>
             <a:endParaRPr lang="en-US"/>
           </a:p>
@@ -2722,7 +2722,7 @@
           <a:p>
             <a:fld id="{5BCAD085-E8A6-8845-BD4E-CB4CCA059FC4}" type="datetimeFigureOut">
               <a:rPr lang="en-US" smtClean="0"/>
-              <a:t>11/19/2025</a:t>
+              <a:t>12/4/2025</a:t>
             </a:fld>
             <a:endParaRPr lang="en-US"/>
           </a:p>
@@ -4565,13 +4565,13 @@
   <p:clrMapOvr>
     <a:masterClrMapping/>
   </p:clrMapOvr>
-  <mc:AlternateContent xmlns:mc="http://schemas.openxmlformats.org/markup-compatibility/2006">
-    <mc:Choice xmlns:p14="http://schemas.microsoft.com/office/powerpoint/2010/main" Requires="p14">
+  <mc:AlternateContent xmlns:mc="http://schemas.openxmlformats.org/markup-compatibility/2006" xmlns:p14="http://schemas.microsoft.com/office/powerpoint/2010/main">
+    <mc:Choice Requires="p14">
       <p:transition spd="med" p14:dur="700">
         <p:fade/>
       </p:transition>
     </mc:Choice>
-    <mc:Fallback>
+    <mc:Fallback xmlns="">
       <p:transition spd="med">
         <p:fade/>
       </p:transition>
@@ -5230,6 +5230,36 @@
           </a:p>
         </p:txBody>
       </p:sp>
+      <p:pic>
+        <p:nvPicPr>
+          <p:cNvPr id="6" name="Picture 5">
+            <a:extLst>
+              <a:ext uri="{FF2B5EF4-FFF2-40B4-BE49-F238E27FC236}">
+                <a16:creationId xmlns:a16="http://schemas.microsoft.com/office/drawing/2014/main" id="{E3796A56-BEEF-D358-46AF-BAB689A4DD5C}"/>
+              </a:ext>
+            </a:extLst>
+          </p:cNvPr>
+          <p:cNvPicPr>
+            <a:picLocks noChangeAspect="1"/>
+          </p:cNvPicPr>
+          <p:nvPr/>
+        </p:nvPicPr>
+        <p:blipFill>
+          <a:blip r:embed="rId4"/>
+          <a:stretch>
+            <a:fillRect/>
+          </a:stretch>
+        </p:blipFill>
+        <p:spPr>
+          <a:xfrm>
+            <a:off x="6823428" y="1718286"/>
+            <a:ext cx="917222" cy="976841"/>
+          </a:xfrm>
+          <a:prstGeom prst="rect">
+            <a:avLst/>
+          </a:prstGeom>
+        </p:spPr>
+      </p:pic>
     </p:spTree>
     <p:extLst>
       <p:ext uri="{BB962C8B-B14F-4D97-AF65-F5344CB8AC3E}">
@@ -5240,13 +5270,13 @@
   <p:clrMapOvr>
     <a:masterClrMapping/>
   </p:clrMapOvr>
-  <mc:AlternateContent xmlns:mc="http://schemas.openxmlformats.org/markup-compatibility/2006">
-    <mc:Choice xmlns:p14="http://schemas.microsoft.com/office/powerpoint/2010/main" Requires="p14">
+  <mc:AlternateContent xmlns:mc="http://schemas.openxmlformats.org/markup-compatibility/2006" xmlns:p14="http://schemas.microsoft.com/office/powerpoint/2010/main">
+    <mc:Choice Requires="p14">
       <p:transition spd="med" p14:dur="700">
         <p:fade/>
       </p:transition>
     </mc:Choice>
-    <mc:Fallback>
+    <mc:Fallback xmlns="">
       <p:transition spd="med">
         <p:fade/>
       </p:transition>
@@ -5427,13 +5457,13 @@
   <p:clrMapOvr>
     <a:masterClrMapping/>
   </p:clrMapOvr>
-  <mc:AlternateContent xmlns:mc="http://schemas.openxmlformats.org/markup-compatibility/2006">
-    <mc:Choice xmlns:p14="http://schemas.microsoft.com/office/powerpoint/2010/main" Requires="p14">
+  <mc:AlternateContent xmlns:mc="http://schemas.openxmlformats.org/markup-compatibility/2006" xmlns:p14="http://schemas.microsoft.com/office/powerpoint/2010/main">
+    <mc:Choice Requires="p14">
       <p:transition spd="med" p14:dur="700">
         <p:fade/>
       </p:transition>
     </mc:Choice>
-    <mc:Fallback>
+    <mc:Fallback xmlns="">
       <p:transition spd="med">
         <p:fade/>
       </p:transition>
